--- a/ppt 16-9/1465.罪的可怕.pptx
+++ b/ppt 16-9/1465.罪的可怕.pptx
@@ -5,7 +5,7 @@
     <p:sldMasterId id="2147483648" r:id="rId1"/>
   </p:sldMasterIdLst>
   <p:sldIdLst>
-    <p:sldId id="1039" r:id="rId2"/>
+    <p:sldId id="1040" r:id="rId2"/>
   </p:sldIdLst>
   <p:sldSz cx="12192000" cy="6858000"/>
   <p:notesSz cx="6858000" cy="9144000"/>
@@ -129,7 +129,7 @@
           <p:cNvPr id="2" name="标题 1">
             <a:extLst>
               <a:ext uri="{FF2B5EF4-FFF2-40B4-BE49-F238E27FC236}">
-                <a16:creationId xmlns:a16="http://schemas.microsoft.com/office/drawing/2014/main" id="{3702F916-7998-F08E-2A5E-485B6BC77AC1}"/>
+                <a16:creationId xmlns:a16="http://schemas.microsoft.com/office/drawing/2014/main" id="{52119A46-0082-792B-D06B-544C4729E05B}"/>
               </a:ext>
             </a:extLst>
           </p:cNvPr>
@@ -166,7 +166,7 @@
           <p:cNvPr id="3" name="副标题 2">
             <a:extLst>
               <a:ext uri="{FF2B5EF4-FFF2-40B4-BE49-F238E27FC236}">
-                <a16:creationId xmlns:a16="http://schemas.microsoft.com/office/drawing/2014/main" id="{4CD807FC-4804-2C9B-BCE1-CD11A67A0211}"/>
+                <a16:creationId xmlns:a16="http://schemas.microsoft.com/office/drawing/2014/main" id="{8CACF45B-7A36-0A28-2F0F-C2771F6FE7FD}"/>
               </a:ext>
             </a:extLst>
           </p:cNvPr>
@@ -236,7 +236,7 @@
           <p:cNvPr id="4" name="日期占位符 3">
             <a:extLst>
               <a:ext uri="{FF2B5EF4-FFF2-40B4-BE49-F238E27FC236}">
-                <a16:creationId xmlns:a16="http://schemas.microsoft.com/office/drawing/2014/main" id="{7E7EB518-B0D2-B4DB-40A7-60AE1548942C}"/>
+                <a16:creationId xmlns:a16="http://schemas.microsoft.com/office/drawing/2014/main" id="{1C188B56-4CBC-EB7B-E8BB-B7C60BB085B5}"/>
               </a:ext>
             </a:extLst>
           </p:cNvPr>
@@ -252,7 +252,7 @@
           <a:bodyPr/>
           <a:lstStyle/>
           <a:p>
-            <a:fld id="{88FC7DFE-6F66-4D3C-87A6-395544E819B3}" type="datetimeFigureOut">
+            <a:fld id="{66FA1A17-9F19-4AC0-BD46-030218175419}" type="datetimeFigureOut">
               <a:rPr lang="zh-CN" altLang="en-US" smtClean="0"/>
               <a:t>2024/3/10</a:t>
             </a:fld>
@@ -265,7 +265,7 @@
           <p:cNvPr id="5" name="页脚占位符 4">
             <a:extLst>
               <a:ext uri="{FF2B5EF4-FFF2-40B4-BE49-F238E27FC236}">
-                <a16:creationId xmlns:a16="http://schemas.microsoft.com/office/drawing/2014/main" id="{B7DF91D5-70E5-29EE-C523-AA8431859788}"/>
+                <a16:creationId xmlns:a16="http://schemas.microsoft.com/office/drawing/2014/main" id="{A7836D13-E4B7-7818-DABB-3A50D1ACA576}"/>
               </a:ext>
             </a:extLst>
           </p:cNvPr>
@@ -290,7 +290,7 @@
           <p:cNvPr id="6" name="灯片编号占位符 5">
             <a:extLst>
               <a:ext uri="{FF2B5EF4-FFF2-40B4-BE49-F238E27FC236}">
-                <a16:creationId xmlns:a16="http://schemas.microsoft.com/office/drawing/2014/main" id="{305D95B5-F0FE-FE45-79CB-D9F73D68F524}"/>
+                <a16:creationId xmlns:a16="http://schemas.microsoft.com/office/drawing/2014/main" id="{103EF27F-26F1-AE4B-3D24-EE84E6F2756D}"/>
               </a:ext>
             </a:extLst>
           </p:cNvPr>
@@ -306,7 +306,7 @@
           <a:bodyPr/>
           <a:lstStyle/>
           <a:p>
-            <a:fld id="{FF0A3250-BC92-42B9-8E6A-A701F618CA56}" type="slidenum">
+            <a:fld id="{A0B35F07-E5CC-4A38-98B0-362CF46984B5}" type="slidenum">
               <a:rPr lang="zh-CN" altLang="en-US" smtClean="0"/>
               <a:t>‹#›</a:t>
             </a:fld>
@@ -317,7 +317,7 @@
     </p:spTree>
     <p:extLst>
       <p:ext uri="{BB962C8B-B14F-4D97-AF65-F5344CB8AC3E}">
-        <p14:creationId xmlns:p14="http://schemas.microsoft.com/office/powerpoint/2010/main" val="3329928974"/>
+        <p14:creationId xmlns:p14="http://schemas.microsoft.com/office/powerpoint/2010/main" val="1142079688"/>
       </p:ext>
     </p:extLst>
   </p:cSld>
@@ -349,7 +349,7 @@
           <p:cNvPr id="2" name="标题 1">
             <a:extLst>
               <a:ext uri="{FF2B5EF4-FFF2-40B4-BE49-F238E27FC236}">
-                <a16:creationId xmlns:a16="http://schemas.microsoft.com/office/drawing/2014/main" id="{05646A98-14D7-5CDE-E47D-C8DF8F8AA0F9}"/>
+                <a16:creationId xmlns:a16="http://schemas.microsoft.com/office/drawing/2014/main" id="{16C4C021-D71E-8C2F-0D47-89207E5705A7}"/>
               </a:ext>
             </a:extLst>
           </p:cNvPr>
@@ -377,7 +377,7 @@
           <p:cNvPr id="3" name="竖排文字占位符 2">
             <a:extLst>
               <a:ext uri="{FF2B5EF4-FFF2-40B4-BE49-F238E27FC236}">
-                <a16:creationId xmlns:a16="http://schemas.microsoft.com/office/drawing/2014/main" id="{36A24C1A-15CB-A57E-E315-65E8129D7AF7}"/>
+                <a16:creationId xmlns:a16="http://schemas.microsoft.com/office/drawing/2014/main" id="{1A7FAA64-9F86-D122-3150-7500D059671C}"/>
               </a:ext>
             </a:extLst>
           </p:cNvPr>
@@ -434,7 +434,7 @@
           <p:cNvPr id="4" name="日期占位符 3">
             <a:extLst>
               <a:ext uri="{FF2B5EF4-FFF2-40B4-BE49-F238E27FC236}">
-                <a16:creationId xmlns:a16="http://schemas.microsoft.com/office/drawing/2014/main" id="{13535C27-A946-A3A9-B7E9-F433A82CBEB7}"/>
+                <a16:creationId xmlns:a16="http://schemas.microsoft.com/office/drawing/2014/main" id="{2BC01709-2780-1B4D-5A54-D3CEF78B6CDF}"/>
               </a:ext>
             </a:extLst>
           </p:cNvPr>
@@ -450,7 +450,7 @@
           <a:bodyPr/>
           <a:lstStyle/>
           <a:p>
-            <a:fld id="{88FC7DFE-6F66-4D3C-87A6-395544E819B3}" type="datetimeFigureOut">
+            <a:fld id="{66FA1A17-9F19-4AC0-BD46-030218175419}" type="datetimeFigureOut">
               <a:rPr lang="zh-CN" altLang="en-US" smtClean="0"/>
               <a:t>2024/3/10</a:t>
             </a:fld>
@@ -463,7 +463,7 @@
           <p:cNvPr id="5" name="页脚占位符 4">
             <a:extLst>
               <a:ext uri="{FF2B5EF4-FFF2-40B4-BE49-F238E27FC236}">
-                <a16:creationId xmlns:a16="http://schemas.microsoft.com/office/drawing/2014/main" id="{3DCD44F6-4E76-1D2B-92BC-1A6C1B4F1016}"/>
+                <a16:creationId xmlns:a16="http://schemas.microsoft.com/office/drawing/2014/main" id="{7C7C65C4-092F-7B3A-68C8-8E296C321DAD}"/>
               </a:ext>
             </a:extLst>
           </p:cNvPr>
@@ -488,7 +488,7 @@
           <p:cNvPr id="6" name="灯片编号占位符 5">
             <a:extLst>
               <a:ext uri="{FF2B5EF4-FFF2-40B4-BE49-F238E27FC236}">
-                <a16:creationId xmlns:a16="http://schemas.microsoft.com/office/drawing/2014/main" id="{414885A8-18F3-35D4-597D-53C9C9AFE3BE}"/>
+                <a16:creationId xmlns:a16="http://schemas.microsoft.com/office/drawing/2014/main" id="{5FB554C2-7994-9C56-301B-E96BAAEE423D}"/>
               </a:ext>
             </a:extLst>
           </p:cNvPr>
@@ -504,7 +504,7 @@
           <a:bodyPr/>
           <a:lstStyle/>
           <a:p>
-            <a:fld id="{FF0A3250-BC92-42B9-8E6A-A701F618CA56}" type="slidenum">
+            <a:fld id="{A0B35F07-E5CC-4A38-98B0-362CF46984B5}" type="slidenum">
               <a:rPr lang="zh-CN" altLang="en-US" smtClean="0"/>
               <a:t>‹#›</a:t>
             </a:fld>
@@ -515,7 +515,7 @@
     </p:spTree>
     <p:extLst>
       <p:ext uri="{BB962C8B-B14F-4D97-AF65-F5344CB8AC3E}">
-        <p14:creationId xmlns:p14="http://schemas.microsoft.com/office/powerpoint/2010/main" val="3553672926"/>
+        <p14:creationId xmlns:p14="http://schemas.microsoft.com/office/powerpoint/2010/main" val="552523110"/>
       </p:ext>
     </p:extLst>
   </p:cSld>
@@ -547,7 +547,7 @@
           <p:cNvPr id="2" name="竖排标题 1">
             <a:extLst>
               <a:ext uri="{FF2B5EF4-FFF2-40B4-BE49-F238E27FC236}">
-                <a16:creationId xmlns:a16="http://schemas.microsoft.com/office/drawing/2014/main" id="{30E6F1F2-5B0A-6003-BA2A-B3693F86D808}"/>
+                <a16:creationId xmlns:a16="http://schemas.microsoft.com/office/drawing/2014/main" id="{9ACB0290-D548-7DE1-507B-EA03B8FA1F6A}"/>
               </a:ext>
             </a:extLst>
           </p:cNvPr>
@@ -580,7 +580,7 @@
           <p:cNvPr id="3" name="竖排文字占位符 2">
             <a:extLst>
               <a:ext uri="{FF2B5EF4-FFF2-40B4-BE49-F238E27FC236}">
-                <a16:creationId xmlns:a16="http://schemas.microsoft.com/office/drawing/2014/main" id="{2E4041C4-7A33-6122-DD56-FCDD9BCDA454}"/>
+                <a16:creationId xmlns:a16="http://schemas.microsoft.com/office/drawing/2014/main" id="{75911884-28EA-0275-111E-F94550DD3616}"/>
               </a:ext>
             </a:extLst>
           </p:cNvPr>
@@ -642,7 +642,7 @@
           <p:cNvPr id="4" name="日期占位符 3">
             <a:extLst>
               <a:ext uri="{FF2B5EF4-FFF2-40B4-BE49-F238E27FC236}">
-                <a16:creationId xmlns:a16="http://schemas.microsoft.com/office/drawing/2014/main" id="{D7D54281-3A1E-B9F8-6FA2-DBE677B9D917}"/>
+                <a16:creationId xmlns:a16="http://schemas.microsoft.com/office/drawing/2014/main" id="{5DD817FF-6779-45DE-262E-A6AAE537F01D}"/>
               </a:ext>
             </a:extLst>
           </p:cNvPr>
@@ -658,7 +658,7 @@
           <a:bodyPr/>
           <a:lstStyle/>
           <a:p>
-            <a:fld id="{88FC7DFE-6F66-4D3C-87A6-395544E819B3}" type="datetimeFigureOut">
+            <a:fld id="{66FA1A17-9F19-4AC0-BD46-030218175419}" type="datetimeFigureOut">
               <a:rPr lang="zh-CN" altLang="en-US" smtClean="0"/>
               <a:t>2024/3/10</a:t>
             </a:fld>
@@ -671,7 +671,7 @@
           <p:cNvPr id="5" name="页脚占位符 4">
             <a:extLst>
               <a:ext uri="{FF2B5EF4-FFF2-40B4-BE49-F238E27FC236}">
-                <a16:creationId xmlns:a16="http://schemas.microsoft.com/office/drawing/2014/main" id="{1546B224-F553-39FB-1062-64E7C741BC73}"/>
+                <a16:creationId xmlns:a16="http://schemas.microsoft.com/office/drawing/2014/main" id="{98963A0D-E0E2-57D9-9E06-594B12B9D49B}"/>
               </a:ext>
             </a:extLst>
           </p:cNvPr>
@@ -696,7 +696,7 @@
           <p:cNvPr id="6" name="灯片编号占位符 5">
             <a:extLst>
               <a:ext uri="{FF2B5EF4-FFF2-40B4-BE49-F238E27FC236}">
-                <a16:creationId xmlns:a16="http://schemas.microsoft.com/office/drawing/2014/main" id="{57F77440-8BFD-A6A8-4CB4-7C4DE9BBA822}"/>
+                <a16:creationId xmlns:a16="http://schemas.microsoft.com/office/drawing/2014/main" id="{B5EC9D19-C021-39A9-5D78-9A3B2213C73D}"/>
               </a:ext>
             </a:extLst>
           </p:cNvPr>
@@ -712,7 +712,7 @@
           <a:bodyPr/>
           <a:lstStyle/>
           <a:p>
-            <a:fld id="{FF0A3250-BC92-42B9-8E6A-A701F618CA56}" type="slidenum">
+            <a:fld id="{A0B35F07-E5CC-4A38-98B0-362CF46984B5}" type="slidenum">
               <a:rPr lang="zh-CN" altLang="en-US" smtClean="0"/>
               <a:t>‹#›</a:t>
             </a:fld>
@@ -723,7 +723,7 @@
     </p:spTree>
     <p:extLst>
       <p:ext uri="{BB962C8B-B14F-4D97-AF65-F5344CB8AC3E}">
-        <p14:creationId xmlns:p14="http://schemas.microsoft.com/office/powerpoint/2010/main" val="2253862722"/>
+        <p14:creationId xmlns:p14="http://schemas.microsoft.com/office/powerpoint/2010/main" val="4143084850"/>
       </p:ext>
     </p:extLst>
   </p:cSld>
@@ -755,7 +755,7 @@
           <p:cNvPr id="2" name="标题 1">
             <a:extLst>
               <a:ext uri="{FF2B5EF4-FFF2-40B4-BE49-F238E27FC236}">
-                <a16:creationId xmlns:a16="http://schemas.microsoft.com/office/drawing/2014/main" id="{07450A95-9079-7F32-DF5A-2DBC63F086C1}"/>
+                <a16:creationId xmlns:a16="http://schemas.microsoft.com/office/drawing/2014/main" id="{CB81E980-A8A9-076C-3F8A-8F7FA41BB8B7}"/>
               </a:ext>
             </a:extLst>
           </p:cNvPr>
@@ -783,7 +783,7 @@
           <p:cNvPr id="3" name="内容占位符 2">
             <a:extLst>
               <a:ext uri="{FF2B5EF4-FFF2-40B4-BE49-F238E27FC236}">
-                <a16:creationId xmlns:a16="http://schemas.microsoft.com/office/drawing/2014/main" id="{F05A13F9-8D82-9461-4780-3EB9382CDD94}"/>
+                <a16:creationId xmlns:a16="http://schemas.microsoft.com/office/drawing/2014/main" id="{24F6D0FC-A7B0-BDF2-BDF2-3A214D329180}"/>
               </a:ext>
             </a:extLst>
           </p:cNvPr>
@@ -840,7 +840,7 @@
           <p:cNvPr id="4" name="日期占位符 3">
             <a:extLst>
               <a:ext uri="{FF2B5EF4-FFF2-40B4-BE49-F238E27FC236}">
-                <a16:creationId xmlns:a16="http://schemas.microsoft.com/office/drawing/2014/main" id="{03F6F925-62E0-3546-BAE8-217BE8F16330}"/>
+                <a16:creationId xmlns:a16="http://schemas.microsoft.com/office/drawing/2014/main" id="{4BAC1CF9-2408-EEDB-9BAF-5233EEDEA330}"/>
               </a:ext>
             </a:extLst>
           </p:cNvPr>
@@ -856,7 +856,7 @@
           <a:bodyPr/>
           <a:lstStyle/>
           <a:p>
-            <a:fld id="{88FC7DFE-6F66-4D3C-87A6-395544E819B3}" type="datetimeFigureOut">
+            <a:fld id="{66FA1A17-9F19-4AC0-BD46-030218175419}" type="datetimeFigureOut">
               <a:rPr lang="zh-CN" altLang="en-US" smtClean="0"/>
               <a:t>2024/3/10</a:t>
             </a:fld>
@@ -869,7 +869,7 @@
           <p:cNvPr id="5" name="页脚占位符 4">
             <a:extLst>
               <a:ext uri="{FF2B5EF4-FFF2-40B4-BE49-F238E27FC236}">
-                <a16:creationId xmlns:a16="http://schemas.microsoft.com/office/drawing/2014/main" id="{3AFCC79B-544A-21E2-494C-F0FD423E5BF1}"/>
+                <a16:creationId xmlns:a16="http://schemas.microsoft.com/office/drawing/2014/main" id="{038AAD26-6269-CF4B-EAF6-9D5216CBFD48}"/>
               </a:ext>
             </a:extLst>
           </p:cNvPr>
@@ -894,7 +894,7 @@
           <p:cNvPr id="6" name="灯片编号占位符 5">
             <a:extLst>
               <a:ext uri="{FF2B5EF4-FFF2-40B4-BE49-F238E27FC236}">
-                <a16:creationId xmlns:a16="http://schemas.microsoft.com/office/drawing/2014/main" id="{683EE8C6-CF72-643D-BD65-EEBB06109126}"/>
+                <a16:creationId xmlns:a16="http://schemas.microsoft.com/office/drawing/2014/main" id="{D8D641C6-214A-0940-35DB-60A3544A0E7E}"/>
               </a:ext>
             </a:extLst>
           </p:cNvPr>
@@ -910,7 +910,7 @@
           <a:bodyPr/>
           <a:lstStyle/>
           <a:p>
-            <a:fld id="{FF0A3250-BC92-42B9-8E6A-A701F618CA56}" type="slidenum">
+            <a:fld id="{A0B35F07-E5CC-4A38-98B0-362CF46984B5}" type="slidenum">
               <a:rPr lang="zh-CN" altLang="en-US" smtClean="0"/>
               <a:t>‹#›</a:t>
             </a:fld>
@@ -921,7 +921,7 @@
     </p:spTree>
     <p:extLst>
       <p:ext uri="{BB962C8B-B14F-4D97-AF65-F5344CB8AC3E}">
-        <p14:creationId xmlns:p14="http://schemas.microsoft.com/office/powerpoint/2010/main" val="646209215"/>
+        <p14:creationId xmlns:p14="http://schemas.microsoft.com/office/powerpoint/2010/main" val="489342276"/>
       </p:ext>
     </p:extLst>
   </p:cSld>
@@ -953,7 +953,7 @@
           <p:cNvPr id="2" name="标题 1">
             <a:extLst>
               <a:ext uri="{FF2B5EF4-FFF2-40B4-BE49-F238E27FC236}">
-                <a16:creationId xmlns:a16="http://schemas.microsoft.com/office/drawing/2014/main" id="{6E323D9F-BE07-B4A9-0C19-F9BB2AD67254}"/>
+                <a16:creationId xmlns:a16="http://schemas.microsoft.com/office/drawing/2014/main" id="{DF7A1309-2F60-EEFB-5042-C29340ADEFE6}"/>
               </a:ext>
             </a:extLst>
           </p:cNvPr>
@@ -990,7 +990,7 @@
           <p:cNvPr id="3" name="文本占位符 2">
             <a:extLst>
               <a:ext uri="{FF2B5EF4-FFF2-40B4-BE49-F238E27FC236}">
-                <a16:creationId xmlns:a16="http://schemas.microsoft.com/office/drawing/2014/main" id="{71724755-CE2D-FC18-6AB0-901EE09172B8}"/>
+                <a16:creationId xmlns:a16="http://schemas.microsoft.com/office/drawing/2014/main" id="{37E5E955-A73B-EAC5-B2BE-4DE80ACCC177}"/>
               </a:ext>
             </a:extLst>
           </p:cNvPr>
@@ -1115,7 +1115,7 @@
           <p:cNvPr id="4" name="日期占位符 3">
             <a:extLst>
               <a:ext uri="{FF2B5EF4-FFF2-40B4-BE49-F238E27FC236}">
-                <a16:creationId xmlns:a16="http://schemas.microsoft.com/office/drawing/2014/main" id="{A03EB60B-EDFD-01F9-7273-2699E09FB48D}"/>
+                <a16:creationId xmlns:a16="http://schemas.microsoft.com/office/drawing/2014/main" id="{9A0FCFCE-23BB-FA9C-344C-4C10D06B38A8}"/>
               </a:ext>
             </a:extLst>
           </p:cNvPr>
@@ -1131,7 +1131,7 @@
           <a:bodyPr/>
           <a:lstStyle/>
           <a:p>
-            <a:fld id="{88FC7DFE-6F66-4D3C-87A6-395544E819B3}" type="datetimeFigureOut">
+            <a:fld id="{66FA1A17-9F19-4AC0-BD46-030218175419}" type="datetimeFigureOut">
               <a:rPr lang="zh-CN" altLang="en-US" smtClean="0"/>
               <a:t>2024/3/10</a:t>
             </a:fld>
@@ -1144,7 +1144,7 @@
           <p:cNvPr id="5" name="页脚占位符 4">
             <a:extLst>
               <a:ext uri="{FF2B5EF4-FFF2-40B4-BE49-F238E27FC236}">
-                <a16:creationId xmlns:a16="http://schemas.microsoft.com/office/drawing/2014/main" id="{AFA64F5C-B2F5-DFFE-0D46-C77CBE1DA9BC}"/>
+                <a16:creationId xmlns:a16="http://schemas.microsoft.com/office/drawing/2014/main" id="{11FD0D37-F8F4-0FD9-4E71-1507E1540969}"/>
               </a:ext>
             </a:extLst>
           </p:cNvPr>
@@ -1169,7 +1169,7 @@
           <p:cNvPr id="6" name="灯片编号占位符 5">
             <a:extLst>
               <a:ext uri="{FF2B5EF4-FFF2-40B4-BE49-F238E27FC236}">
-                <a16:creationId xmlns:a16="http://schemas.microsoft.com/office/drawing/2014/main" id="{2CC4CA64-E323-AF6E-FBC5-812314CBB704}"/>
+                <a16:creationId xmlns:a16="http://schemas.microsoft.com/office/drawing/2014/main" id="{BE436044-22E1-32F8-2A93-0F4FC8151620}"/>
               </a:ext>
             </a:extLst>
           </p:cNvPr>
@@ -1185,7 +1185,7 @@
           <a:bodyPr/>
           <a:lstStyle/>
           <a:p>
-            <a:fld id="{FF0A3250-BC92-42B9-8E6A-A701F618CA56}" type="slidenum">
+            <a:fld id="{A0B35F07-E5CC-4A38-98B0-362CF46984B5}" type="slidenum">
               <a:rPr lang="zh-CN" altLang="en-US" smtClean="0"/>
               <a:t>‹#›</a:t>
             </a:fld>
@@ -1196,7 +1196,7 @@
     </p:spTree>
     <p:extLst>
       <p:ext uri="{BB962C8B-B14F-4D97-AF65-F5344CB8AC3E}">
-        <p14:creationId xmlns:p14="http://schemas.microsoft.com/office/powerpoint/2010/main" val="3399765535"/>
+        <p14:creationId xmlns:p14="http://schemas.microsoft.com/office/powerpoint/2010/main" val="1453875421"/>
       </p:ext>
     </p:extLst>
   </p:cSld>
@@ -1228,7 +1228,7 @@
           <p:cNvPr id="2" name="标题 1">
             <a:extLst>
               <a:ext uri="{FF2B5EF4-FFF2-40B4-BE49-F238E27FC236}">
-                <a16:creationId xmlns:a16="http://schemas.microsoft.com/office/drawing/2014/main" id="{3881A486-7849-028F-2F88-AAC4026934BF}"/>
+                <a16:creationId xmlns:a16="http://schemas.microsoft.com/office/drawing/2014/main" id="{C9E44EBD-413F-DD97-3292-8E86570EF89E}"/>
               </a:ext>
             </a:extLst>
           </p:cNvPr>
@@ -1256,7 +1256,7 @@
           <p:cNvPr id="3" name="内容占位符 2">
             <a:extLst>
               <a:ext uri="{FF2B5EF4-FFF2-40B4-BE49-F238E27FC236}">
-                <a16:creationId xmlns:a16="http://schemas.microsoft.com/office/drawing/2014/main" id="{280D0A81-3A11-C75A-A1F0-0C2485DFAE2D}"/>
+                <a16:creationId xmlns:a16="http://schemas.microsoft.com/office/drawing/2014/main" id="{743155A4-C13E-95D5-E5A4-827220BFD113}"/>
               </a:ext>
             </a:extLst>
           </p:cNvPr>
@@ -1318,7 +1318,7 @@
           <p:cNvPr id="4" name="内容占位符 3">
             <a:extLst>
               <a:ext uri="{FF2B5EF4-FFF2-40B4-BE49-F238E27FC236}">
-                <a16:creationId xmlns:a16="http://schemas.microsoft.com/office/drawing/2014/main" id="{830D4C8A-06AF-330A-9B1B-68D57B9E021F}"/>
+                <a16:creationId xmlns:a16="http://schemas.microsoft.com/office/drawing/2014/main" id="{4E3DDE79-3EA3-E40D-F39D-3BE23F06E200}"/>
               </a:ext>
             </a:extLst>
           </p:cNvPr>
@@ -1380,7 +1380,7 @@
           <p:cNvPr id="5" name="日期占位符 4">
             <a:extLst>
               <a:ext uri="{FF2B5EF4-FFF2-40B4-BE49-F238E27FC236}">
-                <a16:creationId xmlns:a16="http://schemas.microsoft.com/office/drawing/2014/main" id="{ED1DCFAD-68AE-263D-F706-24718A7490C2}"/>
+                <a16:creationId xmlns:a16="http://schemas.microsoft.com/office/drawing/2014/main" id="{94A31537-A7C9-A216-308C-C213C805868E}"/>
               </a:ext>
             </a:extLst>
           </p:cNvPr>
@@ -1396,7 +1396,7 @@
           <a:bodyPr/>
           <a:lstStyle/>
           <a:p>
-            <a:fld id="{88FC7DFE-6F66-4D3C-87A6-395544E819B3}" type="datetimeFigureOut">
+            <a:fld id="{66FA1A17-9F19-4AC0-BD46-030218175419}" type="datetimeFigureOut">
               <a:rPr lang="zh-CN" altLang="en-US" smtClean="0"/>
               <a:t>2024/3/10</a:t>
             </a:fld>
@@ -1409,7 +1409,7 @@
           <p:cNvPr id="6" name="页脚占位符 5">
             <a:extLst>
               <a:ext uri="{FF2B5EF4-FFF2-40B4-BE49-F238E27FC236}">
-                <a16:creationId xmlns:a16="http://schemas.microsoft.com/office/drawing/2014/main" id="{7CCE2660-E667-A6BD-0152-FE6D3C090E1C}"/>
+                <a16:creationId xmlns:a16="http://schemas.microsoft.com/office/drawing/2014/main" id="{918E62A6-25E8-3E1C-276A-A762526EC63A}"/>
               </a:ext>
             </a:extLst>
           </p:cNvPr>
@@ -1434,7 +1434,7 @@
           <p:cNvPr id="7" name="灯片编号占位符 6">
             <a:extLst>
               <a:ext uri="{FF2B5EF4-FFF2-40B4-BE49-F238E27FC236}">
-                <a16:creationId xmlns:a16="http://schemas.microsoft.com/office/drawing/2014/main" id="{3FD610FC-9623-76EB-260E-B502BE69A0E5}"/>
+                <a16:creationId xmlns:a16="http://schemas.microsoft.com/office/drawing/2014/main" id="{35434DE2-26DD-042C-4B64-3A3CD350DBCD}"/>
               </a:ext>
             </a:extLst>
           </p:cNvPr>
@@ -1450,7 +1450,7 @@
           <a:bodyPr/>
           <a:lstStyle/>
           <a:p>
-            <a:fld id="{FF0A3250-BC92-42B9-8E6A-A701F618CA56}" type="slidenum">
+            <a:fld id="{A0B35F07-E5CC-4A38-98B0-362CF46984B5}" type="slidenum">
               <a:rPr lang="zh-CN" altLang="en-US" smtClean="0"/>
               <a:t>‹#›</a:t>
             </a:fld>
@@ -1461,7 +1461,7 @@
     </p:spTree>
     <p:extLst>
       <p:ext uri="{BB962C8B-B14F-4D97-AF65-F5344CB8AC3E}">
-        <p14:creationId xmlns:p14="http://schemas.microsoft.com/office/powerpoint/2010/main" val="4249789362"/>
+        <p14:creationId xmlns:p14="http://schemas.microsoft.com/office/powerpoint/2010/main" val="553158986"/>
       </p:ext>
     </p:extLst>
   </p:cSld>
@@ -1493,7 +1493,7 @@
           <p:cNvPr id="2" name="标题 1">
             <a:extLst>
               <a:ext uri="{FF2B5EF4-FFF2-40B4-BE49-F238E27FC236}">
-                <a16:creationId xmlns:a16="http://schemas.microsoft.com/office/drawing/2014/main" id="{532B3096-FA2A-8786-764D-9FD01EF2E945}"/>
+                <a16:creationId xmlns:a16="http://schemas.microsoft.com/office/drawing/2014/main" id="{F7D85391-5036-B23A-33F8-FF0CDB8AE1E1}"/>
               </a:ext>
             </a:extLst>
           </p:cNvPr>
@@ -1526,7 +1526,7 @@
           <p:cNvPr id="3" name="文本占位符 2">
             <a:extLst>
               <a:ext uri="{FF2B5EF4-FFF2-40B4-BE49-F238E27FC236}">
-                <a16:creationId xmlns:a16="http://schemas.microsoft.com/office/drawing/2014/main" id="{1F05B20F-A4A2-30C5-FD6F-593D19A1545E}"/>
+                <a16:creationId xmlns:a16="http://schemas.microsoft.com/office/drawing/2014/main" id="{7653059B-8A19-5C45-3E8F-66C8D208855A}"/>
               </a:ext>
             </a:extLst>
           </p:cNvPr>
@@ -1597,7 +1597,7 @@
           <p:cNvPr id="4" name="内容占位符 3">
             <a:extLst>
               <a:ext uri="{FF2B5EF4-FFF2-40B4-BE49-F238E27FC236}">
-                <a16:creationId xmlns:a16="http://schemas.microsoft.com/office/drawing/2014/main" id="{464B19B5-3946-0D6C-E9A9-620AF86CE9A7}"/>
+                <a16:creationId xmlns:a16="http://schemas.microsoft.com/office/drawing/2014/main" id="{84418F44-FC99-2311-4EA0-7ED505B5A9E7}"/>
               </a:ext>
             </a:extLst>
           </p:cNvPr>
@@ -1659,7 +1659,7 @@
           <p:cNvPr id="5" name="文本占位符 4">
             <a:extLst>
               <a:ext uri="{FF2B5EF4-FFF2-40B4-BE49-F238E27FC236}">
-                <a16:creationId xmlns:a16="http://schemas.microsoft.com/office/drawing/2014/main" id="{ED04BFD5-594F-38AA-C638-4DB8EA3892AF}"/>
+                <a16:creationId xmlns:a16="http://schemas.microsoft.com/office/drawing/2014/main" id="{86506B8A-E1C7-CFC8-3130-E0EF9EB1AE93}"/>
               </a:ext>
             </a:extLst>
           </p:cNvPr>
@@ -1730,7 +1730,7 @@
           <p:cNvPr id="6" name="内容占位符 5">
             <a:extLst>
               <a:ext uri="{FF2B5EF4-FFF2-40B4-BE49-F238E27FC236}">
-                <a16:creationId xmlns:a16="http://schemas.microsoft.com/office/drawing/2014/main" id="{9FEE054A-1496-A06C-BC8F-311F90E220BB}"/>
+                <a16:creationId xmlns:a16="http://schemas.microsoft.com/office/drawing/2014/main" id="{B3CB39C8-BA21-000E-AB08-E365FA27E84C}"/>
               </a:ext>
             </a:extLst>
           </p:cNvPr>
@@ -1792,7 +1792,7 @@
           <p:cNvPr id="7" name="日期占位符 6">
             <a:extLst>
               <a:ext uri="{FF2B5EF4-FFF2-40B4-BE49-F238E27FC236}">
-                <a16:creationId xmlns:a16="http://schemas.microsoft.com/office/drawing/2014/main" id="{168E2A6F-CFE3-E82C-14BA-6051AB1EBAFF}"/>
+                <a16:creationId xmlns:a16="http://schemas.microsoft.com/office/drawing/2014/main" id="{A4544742-B544-707A-7869-CB5832CEF757}"/>
               </a:ext>
             </a:extLst>
           </p:cNvPr>
@@ -1808,7 +1808,7 @@
           <a:bodyPr/>
           <a:lstStyle/>
           <a:p>
-            <a:fld id="{88FC7DFE-6F66-4D3C-87A6-395544E819B3}" type="datetimeFigureOut">
+            <a:fld id="{66FA1A17-9F19-4AC0-BD46-030218175419}" type="datetimeFigureOut">
               <a:rPr lang="zh-CN" altLang="en-US" smtClean="0"/>
               <a:t>2024/3/10</a:t>
             </a:fld>
@@ -1821,7 +1821,7 @@
           <p:cNvPr id="8" name="页脚占位符 7">
             <a:extLst>
               <a:ext uri="{FF2B5EF4-FFF2-40B4-BE49-F238E27FC236}">
-                <a16:creationId xmlns:a16="http://schemas.microsoft.com/office/drawing/2014/main" id="{91B10C66-A9DD-CEB4-024D-1A10C8EC43A3}"/>
+                <a16:creationId xmlns:a16="http://schemas.microsoft.com/office/drawing/2014/main" id="{ABF504F4-66D4-F46E-AD4A-F7C3E36166D4}"/>
               </a:ext>
             </a:extLst>
           </p:cNvPr>
@@ -1846,7 +1846,7 @@
           <p:cNvPr id="9" name="灯片编号占位符 8">
             <a:extLst>
               <a:ext uri="{FF2B5EF4-FFF2-40B4-BE49-F238E27FC236}">
-                <a16:creationId xmlns:a16="http://schemas.microsoft.com/office/drawing/2014/main" id="{FF18B43A-5236-123A-ABD7-C54B295F025B}"/>
+                <a16:creationId xmlns:a16="http://schemas.microsoft.com/office/drawing/2014/main" id="{8A95CEE8-C578-EA39-8EF2-0A62A2BE140A}"/>
               </a:ext>
             </a:extLst>
           </p:cNvPr>
@@ -1862,7 +1862,7 @@
           <a:bodyPr/>
           <a:lstStyle/>
           <a:p>
-            <a:fld id="{FF0A3250-BC92-42B9-8E6A-A701F618CA56}" type="slidenum">
+            <a:fld id="{A0B35F07-E5CC-4A38-98B0-362CF46984B5}" type="slidenum">
               <a:rPr lang="zh-CN" altLang="en-US" smtClean="0"/>
               <a:t>‹#›</a:t>
             </a:fld>
@@ -1873,7 +1873,7 @@
     </p:spTree>
     <p:extLst>
       <p:ext uri="{BB962C8B-B14F-4D97-AF65-F5344CB8AC3E}">
-        <p14:creationId xmlns:p14="http://schemas.microsoft.com/office/powerpoint/2010/main" val="1955967706"/>
+        <p14:creationId xmlns:p14="http://schemas.microsoft.com/office/powerpoint/2010/main" val="3367599288"/>
       </p:ext>
     </p:extLst>
   </p:cSld>
@@ -1905,7 +1905,7 @@
           <p:cNvPr id="2" name="标题 1">
             <a:extLst>
               <a:ext uri="{FF2B5EF4-FFF2-40B4-BE49-F238E27FC236}">
-                <a16:creationId xmlns:a16="http://schemas.microsoft.com/office/drawing/2014/main" id="{B30F0E7F-FF7C-70EE-8BB5-92E509E9C32F}"/>
+                <a16:creationId xmlns:a16="http://schemas.microsoft.com/office/drawing/2014/main" id="{2808FF51-267D-0BDF-AA94-DE211C3ABAFD}"/>
               </a:ext>
             </a:extLst>
           </p:cNvPr>
@@ -1933,7 +1933,7 @@
           <p:cNvPr id="3" name="日期占位符 2">
             <a:extLst>
               <a:ext uri="{FF2B5EF4-FFF2-40B4-BE49-F238E27FC236}">
-                <a16:creationId xmlns:a16="http://schemas.microsoft.com/office/drawing/2014/main" id="{2B57184A-C51E-C968-A606-BA92A2D90632}"/>
+                <a16:creationId xmlns:a16="http://schemas.microsoft.com/office/drawing/2014/main" id="{77338761-D3F5-7F40-F661-9BFE2235349E}"/>
               </a:ext>
             </a:extLst>
           </p:cNvPr>
@@ -1949,7 +1949,7 @@
           <a:bodyPr/>
           <a:lstStyle/>
           <a:p>
-            <a:fld id="{88FC7DFE-6F66-4D3C-87A6-395544E819B3}" type="datetimeFigureOut">
+            <a:fld id="{66FA1A17-9F19-4AC0-BD46-030218175419}" type="datetimeFigureOut">
               <a:rPr lang="zh-CN" altLang="en-US" smtClean="0"/>
               <a:t>2024/3/10</a:t>
             </a:fld>
@@ -1962,7 +1962,7 @@
           <p:cNvPr id="4" name="页脚占位符 3">
             <a:extLst>
               <a:ext uri="{FF2B5EF4-FFF2-40B4-BE49-F238E27FC236}">
-                <a16:creationId xmlns:a16="http://schemas.microsoft.com/office/drawing/2014/main" id="{7C56A464-CDD0-31AC-2F72-742507134F82}"/>
+                <a16:creationId xmlns:a16="http://schemas.microsoft.com/office/drawing/2014/main" id="{356FFA9B-F027-08F4-29B5-FC4658A2A8D1}"/>
               </a:ext>
             </a:extLst>
           </p:cNvPr>
@@ -1987,7 +1987,7 @@
           <p:cNvPr id="5" name="灯片编号占位符 4">
             <a:extLst>
               <a:ext uri="{FF2B5EF4-FFF2-40B4-BE49-F238E27FC236}">
-                <a16:creationId xmlns:a16="http://schemas.microsoft.com/office/drawing/2014/main" id="{347E2420-1B98-F433-C04E-990D281B2165}"/>
+                <a16:creationId xmlns:a16="http://schemas.microsoft.com/office/drawing/2014/main" id="{475D7D10-8660-B7F8-CBB8-446E823C48B8}"/>
               </a:ext>
             </a:extLst>
           </p:cNvPr>
@@ -2003,7 +2003,7 @@
           <a:bodyPr/>
           <a:lstStyle/>
           <a:p>
-            <a:fld id="{FF0A3250-BC92-42B9-8E6A-A701F618CA56}" type="slidenum">
+            <a:fld id="{A0B35F07-E5CC-4A38-98B0-362CF46984B5}" type="slidenum">
               <a:rPr lang="zh-CN" altLang="en-US" smtClean="0"/>
               <a:t>‹#›</a:t>
             </a:fld>
@@ -2014,7 +2014,7 @@
     </p:spTree>
     <p:extLst>
       <p:ext uri="{BB962C8B-B14F-4D97-AF65-F5344CB8AC3E}">
-        <p14:creationId xmlns:p14="http://schemas.microsoft.com/office/powerpoint/2010/main" val="2777221902"/>
+        <p14:creationId xmlns:p14="http://schemas.microsoft.com/office/powerpoint/2010/main" val="2815573884"/>
       </p:ext>
     </p:extLst>
   </p:cSld>
@@ -2046,7 +2046,7 @@
           <p:cNvPr id="2" name="日期占位符 1">
             <a:extLst>
               <a:ext uri="{FF2B5EF4-FFF2-40B4-BE49-F238E27FC236}">
-                <a16:creationId xmlns:a16="http://schemas.microsoft.com/office/drawing/2014/main" id="{7C342857-59B5-EA6F-D9A4-39E6F208BC3F}"/>
+                <a16:creationId xmlns:a16="http://schemas.microsoft.com/office/drawing/2014/main" id="{FBFCD65F-1EAA-B230-F5B5-F9E9D5DFF37B}"/>
               </a:ext>
             </a:extLst>
           </p:cNvPr>
@@ -2062,7 +2062,7 @@
           <a:bodyPr/>
           <a:lstStyle/>
           <a:p>
-            <a:fld id="{88FC7DFE-6F66-4D3C-87A6-395544E819B3}" type="datetimeFigureOut">
+            <a:fld id="{66FA1A17-9F19-4AC0-BD46-030218175419}" type="datetimeFigureOut">
               <a:rPr lang="zh-CN" altLang="en-US" smtClean="0"/>
               <a:t>2024/3/10</a:t>
             </a:fld>
@@ -2075,7 +2075,7 @@
           <p:cNvPr id="3" name="页脚占位符 2">
             <a:extLst>
               <a:ext uri="{FF2B5EF4-FFF2-40B4-BE49-F238E27FC236}">
-                <a16:creationId xmlns:a16="http://schemas.microsoft.com/office/drawing/2014/main" id="{68A5819E-5B6D-8FEF-FEAD-8337975C8472}"/>
+                <a16:creationId xmlns:a16="http://schemas.microsoft.com/office/drawing/2014/main" id="{060F1896-B333-99DC-7660-A289C2C3565C}"/>
               </a:ext>
             </a:extLst>
           </p:cNvPr>
@@ -2100,7 +2100,7 @@
           <p:cNvPr id="4" name="灯片编号占位符 3">
             <a:extLst>
               <a:ext uri="{FF2B5EF4-FFF2-40B4-BE49-F238E27FC236}">
-                <a16:creationId xmlns:a16="http://schemas.microsoft.com/office/drawing/2014/main" id="{2C6EB330-923A-2C1B-C23B-8506A5D23352}"/>
+                <a16:creationId xmlns:a16="http://schemas.microsoft.com/office/drawing/2014/main" id="{43FC1582-74AE-1F38-4B7D-C374312B59DB}"/>
               </a:ext>
             </a:extLst>
           </p:cNvPr>
@@ -2116,7 +2116,7 @@
           <a:bodyPr/>
           <a:lstStyle/>
           <a:p>
-            <a:fld id="{FF0A3250-BC92-42B9-8E6A-A701F618CA56}" type="slidenum">
+            <a:fld id="{A0B35F07-E5CC-4A38-98B0-362CF46984B5}" type="slidenum">
               <a:rPr lang="zh-CN" altLang="en-US" smtClean="0"/>
               <a:t>‹#›</a:t>
             </a:fld>
@@ -2127,7 +2127,7 @@
     </p:spTree>
     <p:extLst>
       <p:ext uri="{BB962C8B-B14F-4D97-AF65-F5344CB8AC3E}">
-        <p14:creationId xmlns:p14="http://schemas.microsoft.com/office/powerpoint/2010/main" val="3421642048"/>
+        <p14:creationId xmlns:p14="http://schemas.microsoft.com/office/powerpoint/2010/main" val="1718712263"/>
       </p:ext>
     </p:extLst>
   </p:cSld>
@@ -2159,7 +2159,7 @@
           <p:cNvPr id="2" name="标题 1">
             <a:extLst>
               <a:ext uri="{FF2B5EF4-FFF2-40B4-BE49-F238E27FC236}">
-                <a16:creationId xmlns:a16="http://schemas.microsoft.com/office/drawing/2014/main" id="{7FBD17F2-C69E-C068-BCCA-8A0FA9145C24}"/>
+                <a16:creationId xmlns:a16="http://schemas.microsoft.com/office/drawing/2014/main" id="{38AF7447-DEB5-88D3-41FE-A1579A3C76B2}"/>
               </a:ext>
             </a:extLst>
           </p:cNvPr>
@@ -2196,7 +2196,7 @@
           <p:cNvPr id="3" name="内容占位符 2">
             <a:extLst>
               <a:ext uri="{FF2B5EF4-FFF2-40B4-BE49-F238E27FC236}">
-                <a16:creationId xmlns:a16="http://schemas.microsoft.com/office/drawing/2014/main" id="{AE377240-7A9E-7D7E-9384-4A4539AE0799}"/>
+                <a16:creationId xmlns:a16="http://schemas.microsoft.com/office/drawing/2014/main" id="{F9C5645F-E219-87BF-C469-DA7993D11EE3}"/>
               </a:ext>
             </a:extLst>
           </p:cNvPr>
@@ -2286,7 +2286,7 @@
           <p:cNvPr id="4" name="文本占位符 3">
             <a:extLst>
               <a:ext uri="{FF2B5EF4-FFF2-40B4-BE49-F238E27FC236}">
-                <a16:creationId xmlns:a16="http://schemas.microsoft.com/office/drawing/2014/main" id="{A10869E2-0573-BBD5-1249-0AA6801E9DBC}"/>
+                <a16:creationId xmlns:a16="http://schemas.microsoft.com/office/drawing/2014/main" id="{75C1D652-F277-3437-A5D8-0FE62E753224}"/>
               </a:ext>
             </a:extLst>
           </p:cNvPr>
@@ -2357,7 +2357,7 @@
           <p:cNvPr id="5" name="日期占位符 4">
             <a:extLst>
               <a:ext uri="{FF2B5EF4-FFF2-40B4-BE49-F238E27FC236}">
-                <a16:creationId xmlns:a16="http://schemas.microsoft.com/office/drawing/2014/main" id="{4AC64626-653E-6535-B12A-D21D623633C1}"/>
+                <a16:creationId xmlns:a16="http://schemas.microsoft.com/office/drawing/2014/main" id="{FC824F35-9196-EDD8-FF9F-8F865FEEA16F}"/>
               </a:ext>
             </a:extLst>
           </p:cNvPr>
@@ -2373,7 +2373,7 @@
           <a:bodyPr/>
           <a:lstStyle/>
           <a:p>
-            <a:fld id="{88FC7DFE-6F66-4D3C-87A6-395544E819B3}" type="datetimeFigureOut">
+            <a:fld id="{66FA1A17-9F19-4AC0-BD46-030218175419}" type="datetimeFigureOut">
               <a:rPr lang="zh-CN" altLang="en-US" smtClean="0"/>
               <a:t>2024/3/10</a:t>
             </a:fld>
@@ -2386,7 +2386,7 @@
           <p:cNvPr id="6" name="页脚占位符 5">
             <a:extLst>
               <a:ext uri="{FF2B5EF4-FFF2-40B4-BE49-F238E27FC236}">
-                <a16:creationId xmlns:a16="http://schemas.microsoft.com/office/drawing/2014/main" id="{E5B72E5A-73DD-201C-7382-3334431B9630}"/>
+                <a16:creationId xmlns:a16="http://schemas.microsoft.com/office/drawing/2014/main" id="{6BDCC613-6FB3-609C-9B9E-1017CC6B708B}"/>
               </a:ext>
             </a:extLst>
           </p:cNvPr>
@@ -2411,7 +2411,7 @@
           <p:cNvPr id="7" name="灯片编号占位符 6">
             <a:extLst>
               <a:ext uri="{FF2B5EF4-FFF2-40B4-BE49-F238E27FC236}">
-                <a16:creationId xmlns:a16="http://schemas.microsoft.com/office/drawing/2014/main" id="{4FCCF315-0652-5C6D-323A-8DC9E8CFA646}"/>
+                <a16:creationId xmlns:a16="http://schemas.microsoft.com/office/drawing/2014/main" id="{8B36AF3A-1638-C6F4-6C68-69536ADCCAA1}"/>
               </a:ext>
             </a:extLst>
           </p:cNvPr>
@@ -2427,7 +2427,7 @@
           <a:bodyPr/>
           <a:lstStyle/>
           <a:p>
-            <a:fld id="{FF0A3250-BC92-42B9-8E6A-A701F618CA56}" type="slidenum">
+            <a:fld id="{A0B35F07-E5CC-4A38-98B0-362CF46984B5}" type="slidenum">
               <a:rPr lang="zh-CN" altLang="en-US" smtClean="0"/>
               <a:t>‹#›</a:t>
             </a:fld>
@@ -2438,7 +2438,7 @@
     </p:spTree>
     <p:extLst>
       <p:ext uri="{BB962C8B-B14F-4D97-AF65-F5344CB8AC3E}">
-        <p14:creationId xmlns:p14="http://schemas.microsoft.com/office/powerpoint/2010/main" val="3375865719"/>
+        <p14:creationId xmlns:p14="http://schemas.microsoft.com/office/powerpoint/2010/main" val="2137020407"/>
       </p:ext>
     </p:extLst>
   </p:cSld>
@@ -2470,7 +2470,7 @@
           <p:cNvPr id="2" name="标题 1">
             <a:extLst>
               <a:ext uri="{FF2B5EF4-FFF2-40B4-BE49-F238E27FC236}">
-                <a16:creationId xmlns:a16="http://schemas.microsoft.com/office/drawing/2014/main" id="{DB3CD036-663F-C37D-3D43-FFA9ED6CEC5C}"/>
+                <a16:creationId xmlns:a16="http://schemas.microsoft.com/office/drawing/2014/main" id="{2B248640-C0D0-89AC-9CC5-9A88F22A8964}"/>
               </a:ext>
             </a:extLst>
           </p:cNvPr>
@@ -2507,7 +2507,7 @@
           <p:cNvPr id="3" name="图片占位符 2">
             <a:extLst>
               <a:ext uri="{FF2B5EF4-FFF2-40B4-BE49-F238E27FC236}">
-                <a16:creationId xmlns:a16="http://schemas.microsoft.com/office/drawing/2014/main" id="{9DD9A71B-8E5F-4E7B-289C-F9C45F9CCF82}"/>
+                <a16:creationId xmlns:a16="http://schemas.microsoft.com/office/drawing/2014/main" id="{AEB94D59-6570-E587-4A09-53708CBA8222}"/>
               </a:ext>
             </a:extLst>
           </p:cNvPr>
@@ -2574,7 +2574,7 @@
           <p:cNvPr id="4" name="文本占位符 3">
             <a:extLst>
               <a:ext uri="{FF2B5EF4-FFF2-40B4-BE49-F238E27FC236}">
-                <a16:creationId xmlns:a16="http://schemas.microsoft.com/office/drawing/2014/main" id="{8E617C96-DE33-DC83-C271-508F113F1CCC}"/>
+                <a16:creationId xmlns:a16="http://schemas.microsoft.com/office/drawing/2014/main" id="{D06F192E-F2E6-34F6-95D5-255ED62B281E}"/>
               </a:ext>
             </a:extLst>
           </p:cNvPr>
@@ -2645,7 +2645,7 @@
           <p:cNvPr id="5" name="日期占位符 4">
             <a:extLst>
               <a:ext uri="{FF2B5EF4-FFF2-40B4-BE49-F238E27FC236}">
-                <a16:creationId xmlns:a16="http://schemas.microsoft.com/office/drawing/2014/main" id="{693A71DC-AEA7-867B-4F4B-74D983BD2E95}"/>
+                <a16:creationId xmlns:a16="http://schemas.microsoft.com/office/drawing/2014/main" id="{82E24B7B-6DB0-3D0C-BCC1-0493DB9B7D34}"/>
               </a:ext>
             </a:extLst>
           </p:cNvPr>
@@ -2661,7 +2661,7 @@
           <a:bodyPr/>
           <a:lstStyle/>
           <a:p>
-            <a:fld id="{88FC7DFE-6F66-4D3C-87A6-395544E819B3}" type="datetimeFigureOut">
+            <a:fld id="{66FA1A17-9F19-4AC0-BD46-030218175419}" type="datetimeFigureOut">
               <a:rPr lang="zh-CN" altLang="en-US" smtClean="0"/>
               <a:t>2024/3/10</a:t>
             </a:fld>
@@ -2674,7 +2674,7 @@
           <p:cNvPr id="6" name="页脚占位符 5">
             <a:extLst>
               <a:ext uri="{FF2B5EF4-FFF2-40B4-BE49-F238E27FC236}">
-                <a16:creationId xmlns:a16="http://schemas.microsoft.com/office/drawing/2014/main" id="{7DE1AA8E-3F69-75B5-58D9-EB964871E068}"/>
+                <a16:creationId xmlns:a16="http://schemas.microsoft.com/office/drawing/2014/main" id="{38F55DBB-7657-D33E-EBC2-208BE703C6E9}"/>
               </a:ext>
             </a:extLst>
           </p:cNvPr>
@@ -2699,7 +2699,7 @@
           <p:cNvPr id="7" name="灯片编号占位符 6">
             <a:extLst>
               <a:ext uri="{FF2B5EF4-FFF2-40B4-BE49-F238E27FC236}">
-                <a16:creationId xmlns:a16="http://schemas.microsoft.com/office/drawing/2014/main" id="{82212741-69A1-9C14-9F2E-7B4851062BB5}"/>
+                <a16:creationId xmlns:a16="http://schemas.microsoft.com/office/drawing/2014/main" id="{22D53582-8AE1-33E6-41A8-26C64392D624}"/>
               </a:ext>
             </a:extLst>
           </p:cNvPr>
@@ -2715,7 +2715,7 @@
           <a:bodyPr/>
           <a:lstStyle/>
           <a:p>
-            <a:fld id="{FF0A3250-BC92-42B9-8E6A-A701F618CA56}" type="slidenum">
+            <a:fld id="{A0B35F07-E5CC-4A38-98B0-362CF46984B5}" type="slidenum">
               <a:rPr lang="zh-CN" altLang="en-US" smtClean="0"/>
               <a:t>‹#›</a:t>
             </a:fld>
@@ -2726,7 +2726,7 @@
     </p:spTree>
     <p:extLst>
       <p:ext uri="{BB962C8B-B14F-4D97-AF65-F5344CB8AC3E}">
-        <p14:creationId xmlns:p14="http://schemas.microsoft.com/office/powerpoint/2010/main" val="4229051825"/>
+        <p14:creationId xmlns:p14="http://schemas.microsoft.com/office/powerpoint/2010/main" val="2331178887"/>
       </p:ext>
     </p:extLst>
   </p:cSld>
@@ -2763,7 +2763,7 @@
           <p:cNvPr id="2" name="标题占位符 1">
             <a:extLst>
               <a:ext uri="{FF2B5EF4-FFF2-40B4-BE49-F238E27FC236}">
-                <a16:creationId xmlns:a16="http://schemas.microsoft.com/office/drawing/2014/main" id="{80FBB456-6167-B7F3-B42F-280E86CFAF84}"/>
+                <a16:creationId xmlns:a16="http://schemas.microsoft.com/office/drawing/2014/main" id="{A7131BC7-E6D8-9805-209C-9690C0753EE2}"/>
               </a:ext>
             </a:extLst>
           </p:cNvPr>
@@ -2801,7 +2801,7 @@
           <p:cNvPr id="3" name="文本占位符 2">
             <a:extLst>
               <a:ext uri="{FF2B5EF4-FFF2-40B4-BE49-F238E27FC236}">
-                <a16:creationId xmlns:a16="http://schemas.microsoft.com/office/drawing/2014/main" id="{FE415B51-5334-265F-A8F2-E49624E516A7}"/>
+                <a16:creationId xmlns:a16="http://schemas.microsoft.com/office/drawing/2014/main" id="{67E2C4DB-60DB-3D74-D838-E3344D50ACB2}"/>
               </a:ext>
             </a:extLst>
           </p:cNvPr>
@@ -2868,7 +2868,7 @@
           <p:cNvPr id="4" name="日期占位符 3">
             <a:extLst>
               <a:ext uri="{FF2B5EF4-FFF2-40B4-BE49-F238E27FC236}">
-                <a16:creationId xmlns:a16="http://schemas.microsoft.com/office/drawing/2014/main" id="{5AF6D4A1-69C0-B48A-B9F9-AA39492D1676}"/>
+                <a16:creationId xmlns:a16="http://schemas.microsoft.com/office/drawing/2014/main" id="{41A72D04-C830-13BF-9655-1C7ED1C622B8}"/>
               </a:ext>
             </a:extLst>
           </p:cNvPr>
@@ -2902,7 +2902,7 @@
             </a:lvl1pPr>
           </a:lstStyle>
           <a:p>
-            <a:fld id="{88FC7DFE-6F66-4D3C-87A6-395544E819B3}" type="datetimeFigureOut">
+            <a:fld id="{66FA1A17-9F19-4AC0-BD46-030218175419}" type="datetimeFigureOut">
               <a:rPr lang="zh-CN" altLang="en-US" smtClean="0"/>
               <a:t>2024/3/10</a:t>
             </a:fld>
@@ -2915,7 +2915,7 @@
           <p:cNvPr id="5" name="页脚占位符 4">
             <a:extLst>
               <a:ext uri="{FF2B5EF4-FFF2-40B4-BE49-F238E27FC236}">
-                <a16:creationId xmlns:a16="http://schemas.microsoft.com/office/drawing/2014/main" id="{87C7AF7F-AA20-39DC-17E4-B6850BEE73CA}"/>
+                <a16:creationId xmlns:a16="http://schemas.microsoft.com/office/drawing/2014/main" id="{6D9BF061-5790-2AB3-032F-AC844D505D6C}"/>
               </a:ext>
             </a:extLst>
           </p:cNvPr>
@@ -2958,7 +2958,7 @@
           <p:cNvPr id="6" name="灯片编号占位符 5">
             <a:extLst>
               <a:ext uri="{FF2B5EF4-FFF2-40B4-BE49-F238E27FC236}">
-                <a16:creationId xmlns:a16="http://schemas.microsoft.com/office/drawing/2014/main" id="{2B04E6F2-21C7-2AA5-8EB7-07AD7415486D}"/>
+                <a16:creationId xmlns:a16="http://schemas.microsoft.com/office/drawing/2014/main" id="{EB1FF5B2-2632-52CC-45EE-D22196F8A4D9}"/>
               </a:ext>
             </a:extLst>
           </p:cNvPr>
@@ -2992,7 +2992,7 @@
             </a:lvl1pPr>
           </a:lstStyle>
           <a:p>
-            <a:fld id="{FF0A3250-BC92-42B9-8E6A-A701F618CA56}" type="slidenum">
+            <a:fld id="{A0B35F07-E5CC-4A38-98B0-362CF46984B5}" type="slidenum">
               <a:rPr lang="zh-CN" altLang="en-US" smtClean="0"/>
               <a:t>‹#›</a:t>
             </a:fld>
@@ -3003,7 +3003,7 @@
     </p:spTree>
     <p:extLst>
       <p:ext uri="{BB962C8B-B14F-4D97-AF65-F5344CB8AC3E}">
-        <p14:creationId xmlns:p14="http://schemas.microsoft.com/office/powerpoint/2010/main" val="4006397075"/>
+        <p14:creationId xmlns:p14="http://schemas.microsoft.com/office/powerpoint/2010/main" val="4057725034"/>
       </p:ext>
     </p:extLst>
   </p:cSld>
@@ -3323,7 +3323,7 @@
       </p:grpSpPr>
       <p:pic>
         <p:nvPicPr>
-          <p:cNvPr id="1500162" name="Picture 2" descr="1464"/>
+          <p:cNvPr id="1501186" name="Picture 2" descr="1465"/>
           <p:cNvPicPr>
             <a:picLocks noChangeAspect="1" noChangeArrowheads="1"/>
           </p:cNvPicPr>
@@ -3344,8 +3344,8 @@
         </p:blipFill>
         <p:spPr bwMode="auto">
           <a:xfrm>
-            <a:off x="1524000" y="0"/>
-            <a:ext cx="9144000" cy="4076700"/>
+            <a:off x="1524000" y="1"/>
+            <a:ext cx="9144000" cy="4365625"/>
           </a:xfrm>
           <a:prstGeom prst="rect">
             <a:avLst/>
